--- a/report/figure/figure.pptx
+++ b/report/figure/figure.pptx
@@ -260,7 +260,7 @@
           <a:p>
             <a:fld id="{1EEDA899-7049-4856-BDCE-8FE9B9C5C968}" type="datetimeFigureOut">
               <a:rPr lang="zh-CN" altLang="en-US" smtClean="0"/>
-              <a:t>2023/2/6</a:t>
+              <a:t>2023/2/8</a:t>
             </a:fld>
             <a:endParaRPr lang="zh-CN" altLang="en-US"/>
           </a:p>
@@ -458,7 +458,7 @@
           <a:p>
             <a:fld id="{1EEDA899-7049-4856-BDCE-8FE9B9C5C968}" type="datetimeFigureOut">
               <a:rPr lang="zh-CN" altLang="en-US" smtClean="0"/>
-              <a:t>2023/2/6</a:t>
+              <a:t>2023/2/8</a:t>
             </a:fld>
             <a:endParaRPr lang="zh-CN" altLang="en-US"/>
           </a:p>
@@ -666,7 +666,7 @@
           <a:p>
             <a:fld id="{1EEDA899-7049-4856-BDCE-8FE9B9C5C968}" type="datetimeFigureOut">
               <a:rPr lang="zh-CN" altLang="en-US" smtClean="0"/>
-              <a:t>2023/2/6</a:t>
+              <a:t>2023/2/8</a:t>
             </a:fld>
             <a:endParaRPr lang="zh-CN" altLang="en-US"/>
           </a:p>
@@ -864,7 +864,7 @@
           <a:p>
             <a:fld id="{1EEDA899-7049-4856-BDCE-8FE9B9C5C968}" type="datetimeFigureOut">
               <a:rPr lang="zh-CN" altLang="en-US" smtClean="0"/>
-              <a:t>2023/2/6</a:t>
+              <a:t>2023/2/8</a:t>
             </a:fld>
             <a:endParaRPr lang="zh-CN" altLang="en-US"/>
           </a:p>
@@ -1139,7 +1139,7 @@
           <a:p>
             <a:fld id="{1EEDA899-7049-4856-BDCE-8FE9B9C5C968}" type="datetimeFigureOut">
               <a:rPr lang="zh-CN" altLang="en-US" smtClean="0"/>
-              <a:t>2023/2/6</a:t>
+              <a:t>2023/2/8</a:t>
             </a:fld>
             <a:endParaRPr lang="zh-CN" altLang="en-US"/>
           </a:p>
@@ -1404,7 +1404,7 @@
           <a:p>
             <a:fld id="{1EEDA899-7049-4856-BDCE-8FE9B9C5C968}" type="datetimeFigureOut">
               <a:rPr lang="zh-CN" altLang="en-US" smtClean="0"/>
-              <a:t>2023/2/6</a:t>
+              <a:t>2023/2/8</a:t>
             </a:fld>
             <a:endParaRPr lang="zh-CN" altLang="en-US"/>
           </a:p>
@@ -1816,7 +1816,7 @@
           <a:p>
             <a:fld id="{1EEDA899-7049-4856-BDCE-8FE9B9C5C968}" type="datetimeFigureOut">
               <a:rPr lang="zh-CN" altLang="en-US" smtClean="0"/>
-              <a:t>2023/2/6</a:t>
+              <a:t>2023/2/8</a:t>
             </a:fld>
             <a:endParaRPr lang="zh-CN" altLang="en-US"/>
           </a:p>
@@ -1957,7 +1957,7 @@
           <a:p>
             <a:fld id="{1EEDA899-7049-4856-BDCE-8FE9B9C5C968}" type="datetimeFigureOut">
               <a:rPr lang="zh-CN" altLang="en-US" smtClean="0"/>
-              <a:t>2023/2/6</a:t>
+              <a:t>2023/2/8</a:t>
             </a:fld>
             <a:endParaRPr lang="zh-CN" altLang="en-US"/>
           </a:p>
@@ -2070,7 +2070,7 @@
           <a:p>
             <a:fld id="{1EEDA899-7049-4856-BDCE-8FE9B9C5C968}" type="datetimeFigureOut">
               <a:rPr lang="zh-CN" altLang="en-US" smtClean="0"/>
-              <a:t>2023/2/6</a:t>
+              <a:t>2023/2/8</a:t>
             </a:fld>
             <a:endParaRPr lang="zh-CN" altLang="en-US"/>
           </a:p>
@@ -2381,7 +2381,7 @@
           <a:p>
             <a:fld id="{1EEDA899-7049-4856-BDCE-8FE9B9C5C968}" type="datetimeFigureOut">
               <a:rPr lang="zh-CN" altLang="en-US" smtClean="0"/>
-              <a:t>2023/2/6</a:t>
+              <a:t>2023/2/8</a:t>
             </a:fld>
             <a:endParaRPr lang="zh-CN" altLang="en-US"/>
           </a:p>
@@ -2669,7 +2669,7 @@
           <a:p>
             <a:fld id="{1EEDA899-7049-4856-BDCE-8FE9B9C5C968}" type="datetimeFigureOut">
               <a:rPr lang="zh-CN" altLang="en-US" smtClean="0"/>
-              <a:t>2023/2/6</a:t>
+              <a:t>2023/2/8</a:t>
             </a:fld>
             <a:endParaRPr lang="zh-CN" altLang="en-US"/>
           </a:p>
@@ -2910,7 +2910,7 @@
           <a:p>
             <a:fld id="{1EEDA899-7049-4856-BDCE-8FE9B9C5C968}" type="datetimeFigureOut">
               <a:rPr lang="zh-CN" altLang="en-US" smtClean="0"/>
-              <a:t>2023/2/6</a:t>
+              <a:t>2023/2/8</a:t>
             </a:fld>
             <a:endParaRPr lang="zh-CN" altLang="en-US"/>
           </a:p>
@@ -7509,7 +7509,7 @@
         </p:nvGrpSpPr>
         <p:grpSpPr>
           <a:xfrm>
-            <a:off x="385729" y="2543126"/>
+            <a:off x="1632438" y="2843279"/>
             <a:ext cx="9238419" cy="3492899"/>
             <a:chOff x="80566" y="2477031"/>
             <a:chExt cx="9238419" cy="3492899"/>
@@ -8777,840 +8777,6 @@
             </a:p>
           </p:txBody>
         </p:sp>
-      </p:grpSp>
-      <p:grpSp>
-        <p:nvGrpSpPr>
-          <p:cNvPr id="170" name="组合 169">
-            <a:extLst>
-              <a:ext uri="{FF2B5EF4-FFF2-40B4-BE49-F238E27FC236}">
-                <a16:creationId xmlns:a16="http://schemas.microsoft.com/office/drawing/2014/main" id="{04B6EFCD-1359-4017-9699-912F0556536B}"/>
-              </a:ext>
-            </a:extLst>
-          </p:cNvPr>
-          <p:cNvGrpSpPr/>
-          <p:nvPr/>
-        </p:nvGrpSpPr>
-        <p:grpSpPr>
-          <a:xfrm>
-            <a:off x="9421449" y="3915391"/>
-            <a:ext cx="2716057" cy="1431509"/>
-            <a:chOff x="9145238" y="3651929"/>
-            <a:chExt cx="2716057" cy="1431509"/>
-          </a:xfrm>
-        </p:grpSpPr>
-        <p:pic>
-          <p:nvPicPr>
-            <p:cNvPr id="96" name="图片 95">
-              <a:extLst>
-                <a:ext uri="{FF2B5EF4-FFF2-40B4-BE49-F238E27FC236}">
-                  <a16:creationId xmlns:a16="http://schemas.microsoft.com/office/drawing/2014/main" id="{A3EED41D-1F37-4B9B-B6D2-DD09521EF00C}"/>
-                </a:ext>
-              </a:extLst>
-            </p:cNvPr>
-            <p:cNvPicPr>
-              <a:picLocks noChangeAspect="1"/>
-            </p:cNvPicPr>
-            <p:nvPr/>
-          </p:nvPicPr>
-          <p:blipFill>
-            <a:blip r:embed="rId2"/>
-            <a:stretch>
-              <a:fillRect/>
-            </a:stretch>
-          </p:blipFill>
-          <p:spPr>
-            <a:xfrm>
-              <a:off x="9145238" y="3651929"/>
-              <a:ext cx="2716057" cy="1431509"/>
-            </a:xfrm>
-            <a:prstGeom prst="rect">
-              <a:avLst/>
-            </a:prstGeom>
-          </p:spPr>
-        </p:pic>
-        <p:cxnSp>
-          <p:nvCxnSpPr>
-            <p:cNvPr id="102" name="直接连接符 101">
-              <a:extLst>
-                <a:ext uri="{FF2B5EF4-FFF2-40B4-BE49-F238E27FC236}">
-                  <a16:creationId xmlns:a16="http://schemas.microsoft.com/office/drawing/2014/main" id="{4E9C661F-C41A-4823-A7F5-4D1FD1F3D2B1}"/>
-                </a:ext>
-              </a:extLst>
-            </p:cNvPr>
-            <p:cNvCxnSpPr>
-              <a:cxnSpLocks/>
-            </p:cNvCxnSpPr>
-            <p:nvPr/>
-          </p:nvCxnSpPr>
-          <p:spPr>
-            <a:xfrm>
-              <a:off x="10323285" y="3735088"/>
-              <a:ext cx="486229" cy="0"/>
-            </a:xfrm>
-            <a:prstGeom prst="line">
-              <a:avLst/>
-            </a:prstGeom>
-            <a:ln w="6350">
-              <a:solidFill>
-                <a:schemeClr val="tx1"/>
-              </a:solidFill>
-            </a:ln>
-          </p:spPr>
-          <p:style>
-            <a:lnRef idx="1">
-              <a:schemeClr val="accent1"/>
-            </a:lnRef>
-            <a:fillRef idx="0">
-              <a:schemeClr val="accent1"/>
-            </a:fillRef>
-            <a:effectRef idx="0">
-              <a:schemeClr val="accent1"/>
-            </a:effectRef>
-            <a:fontRef idx="minor">
-              <a:schemeClr val="tx1"/>
-            </a:fontRef>
-          </p:style>
-        </p:cxnSp>
-        <p:cxnSp>
-          <p:nvCxnSpPr>
-            <p:cNvPr id="104" name="直接连接符 103">
-              <a:extLst>
-                <a:ext uri="{FF2B5EF4-FFF2-40B4-BE49-F238E27FC236}">
-                  <a16:creationId xmlns:a16="http://schemas.microsoft.com/office/drawing/2014/main" id="{3AA637EB-9634-4FB1-9D52-1441D0F29030}"/>
-                </a:ext>
-              </a:extLst>
-            </p:cNvPr>
-            <p:cNvCxnSpPr>
-              <a:cxnSpLocks/>
-            </p:cNvCxnSpPr>
-            <p:nvPr/>
-          </p:nvCxnSpPr>
-          <p:spPr>
-            <a:xfrm>
-              <a:off x="10323285" y="3928307"/>
-              <a:ext cx="486229" cy="1"/>
-            </a:xfrm>
-            <a:prstGeom prst="line">
-              <a:avLst/>
-            </a:prstGeom>
-            <a:ln w="6350">
-              <a:solidFill>
-                <a:schemeClr val="tx1"/>
-              </a:solidFill>
-            </a:ln>
-          </p:spPr>
-          <p:style>
-            <a:lnRef idx="1">
-              <a:schemeClr val="accent1"/>
-            </a:lnRef>
-            <a:fillRef idx="0">
-              <a:schemeClr val="accent1"/>
-            </a:fillRef>
-            <a:effectRef idx="0">
-              <a:schemeClr val="accent1"/>
-            </a:effectRef>
-            <a:fontRef idx="minor">
-              <a:schemeClr val="tx1"/>
-            </a:fontRef>
-          </p:style>
-        </p:cxnSp>
-        <p:cxnSp>
-          <p:nvCxnSpPr>
-            <p:cNvPr id="107" name="直接连接符 106">
-              <a:extLst>
-                <a:ext uri="{FF2B5EF4-FFF2-40B4-BE49-F238E27FC236}">
-                  <a16:creationId xmlns:a16="http://schemas.microsoft.com/office/drawing/2014/main" id="{F80073EC-BAD3-4877-B69A-9ADE8730111B}"/>
-                </a:ext>
-              </a:extLst>
-            </p:cNvPr>
-            <p:cNvCxnSpPr>
-              <a:cxnSpLocks/>
-            </p:cNvCxnSpPr>
-            <p:nvPr/>
-          </p:nvCxnSpPr>
-          <p:spPr>
-            <a:xfrm>
-              <a:off x="10323285" y="4090587"/>
-              <a:ext cx="486229" cy="0"/>
-            </a:xfrm>
-            <a:prstGeom prst="line">
-              <a:avLst/>
-            </a:prstGeom>
-            <a:ln w="6350">
-              <a:solidFill>
-                <a:schemeClr val="tx1"/>
-              </a:solidFill>
-            </a:ln>
-          </p:spPr>
-          <p:style>
-            <a:lnRef idx="1">
-              <a:schemeClr val="accent1"/>
-            </a:lnRef>
-            <a:fillRef idx="0">
-              <a:schemeClr val="accent1"/>
-            </a:fillRef>
-            <a:effectRef idx="0">
-              <a:schemeClr val="accent1"/>
-            </a:effectRef>
-            <a:fontRef idx="minor">
-              <a:schemeClr val="tx1"/>
-            </a:fontRef>
-          </p:style>
-        </p:cxnSp>
-        <p:cxnSp>
-          <p:nvCxnSpPr>
-            <p:cNvPr id="109" name="直接连接符 108">
-              <a:extLst>
-                <a:ext uri="{FF2B5EF4-FFF2-40B4-BE49-F238E27FC236}">
-                  <a16:creationId xmlns:a16="http://schemas.microsoft.com/office/drawing/2014/main" id="{1314CAFE-F7B6-4F42-AE1E-F126A3B771DA}"/>
-                </a:ext>
-              </a:extLst>
-            </p:cNvPr>
-            <p:cNvCxnSpPr>
-              <a:cxnSpLocks/>
-            </p:cNvCxnSpPr>
-            <p:nvPr/>
-          </p:nvCxnSpPr>
-          <p:spPr>
-            <a:xfrm>
-              <a:off x="10323285" y="4294555"/>
-              <a:ext cx="486229" cy="0"/>
-            </a:xfrm>
-            <a:prstGeom prst="line">
-              <a:avLst/>
-            </a:prstGeom>
-            <a:ln w="6350">
-              <a:solidFill>
-                <a:schemeClr val="tx1"/>
-              </a:solidFill>
-            </a:ln>
-          </p:spPr>
-          <p:style>
-            <a:lnRef idx="1">
-              <a:schemeClr val="accent1"/>
-            </a:lnRef>
-            <a:fillRef idx="0">
-              <a:schemeClr val="accent1"/>
-            </a:fillRef>
-            <a:effectRef idx="0">
-              <a:schemeClr val="accent1"/>
-            </a:effectRef>
-            <a:fontRef idx="minor">
-              <a:schemeClr val="tx1"/>
-            </a:fontRef>
-          </p:style>
-        </p:cxnSp>
-        <p:cxnSp>
-          <p:nvCxnSpPr>
-            <p:cNvPr id="111" name="直接连接符 110">
-              <a:extLst>
-                <a:ext uri="{FF2B5EF4-FFF2-40B4-BE49-F238E27FC236}">
-                  <a16:creationId xmlns:a16="http://schemas.microsoft.com/office/drawing/2014/main" id="{694F6899-E771-4D27-9ECA-C2F7261A7DEE}"/>
-                </a:ext>
-              </a:extLst>
-            </p:cNvPr>
-            <p:cNvCxnSpPr>
-              <a:cxnSpLocks/>
-            </p:cNvCxnSpPr>
-            <p:nvPr/>
-          </p:nvCxnSpPr>
-          <p:spPr>
-            <a:xfrm>
-              <a:off x="10323285" y="4633686"/>
-              <a:ext cx="486229" cy="0"/>
-            </a:xfrm>
-            <a:prstGeom prst="line">
-              <a:avLst/>
-            </a:prstGeom>
-            <a:ln w="6350">
-              <a:solidFill>
-                <a:schemeClr val="tx1"/>
-              </a:solidFill>
-            </a:ln>
-          </p:spPr>
-          <p:style>
-            <a:lnRef idx="1">
-              <a:schemeClr val="accent1"/>
-            </a:lnRef>
-            <a:fillRef idx="0">
-              <a:schemeClr val="accent1"/>
-            </a:fillRef>
-            <a:effectRef idx="0">
-              <a:schemeClr val="accent1"/>
-            </a:effectRef>
-            <a:fontRef idx="minor">
-              <a:schemeClr val="tx1"/>
-            </a:fontRef>
-          </p:style>
-        </p:cxnSp>
-        <p:cxnSp>
-          <p:nvCxnSpPr>
-            <p:cNvPr id="113" name="直接连接符 112">
-              <a:extLst>
-                <a:ext uri="{FF2B5EF4-FFF2-40B4-BE49-F238E27FC236}">
-                  <a16:creationId xmlns:a16="http://schemas.microsoft.com/office/drawing/2014/main" id="{4D6C3EEA-343D-4582-A4B2-101B7271D618}"/>
-                </a:ext>
-              </a:extLst>
-            </p:cNvPr>
-            <p:cNvCxnSpPr>
-              <a:cxnSpLocks/>
-            </p:cNvCxnSpPr>
-            <p:nvPr/>
-          </p:nvCxnSpPr>
-          <p:spPr>
-            <a:xfrm>
-              <a:off x="10323285" y="4804229"/>
-              <a:ext cx="486229" cy="0"/>
-            </a:xfrm>
-            <a:prstGeom prst="line">
-              <a:avLst/>
-            </a:prstGeom>
-            <a:ln w="6350">
-              <a:solidFill>
-                <a:schemeClr val="tx1"/>
-              </a:solidFill>
-            </a:ln>
-          </p:spPr>
-          <p:style>
-            <a:lnRef idx="1">
-              <a:schemeClr val="accent1"/>
-            </a:lnRef>
-            <a:fillRef idx="0">
-              <a:schemeClr val="accent1"/>
-            </a:fillRef>
-            <a:effectRef idx="0">
-              <a:schemeClr val="accent1"/>
-            </a:effectRef>
-            <a:fontRef idx="minor">
-              <a:schemeClr val="tx1"/>
-            </a:fontRef>
-          </p:style>
-        </p:cxnSp>
-        <p:sp>
-          <p:nvSpPr>
-            <p:cNvPr id="114" name="文本框 113">
-              <a:extLst>
-                <a:ext uri="{FF2B5EF4-FFF2-40B4-BE49-F238E27FC236}">
-                  <a16:creationId xmlns:a16="http://schemas.microsoft.com/office/drawing/2014/main" id="{50CB4268-0D09-48C6-B997-FFFE62CCF4B6}"/>
-                </a:ext>
-              </a:extLst>
-            </p:cNvPr>
-            <p:cNvSpPr txBox="1"/>
-            <p:nvPr/>
-          </p:nvSpPr>
-          <p:spPr>
-            <a:xfrm>
-              <a:off x="11097290" y="3651929"/>
-              <a:ext cx="764005" cy="307777"/>
-            </a:xfrm>
-            <a:prstGeom prst="rect">
-              <a:avLst/>
-            </a:prstGeom>
-            <a:noFill/>
-            <a:ln>
-              <a:noFill/>
-            </a:ln>
-          </p:spPr>
-          <p:txBody>
-            <a:bodyPr wrap="square" rtlCol="0">
-              <a:spAutoFit/>
-            </a:bodyPr>
-            <a:lstStyle/>
-            <a:p>
-              <a:r>
-                <a:rPr lang="en-US" altLang="zh-CN" sz="1400" dirty="0">
-                  <a:latin typeface="Times New Roman" panose="02020603050405020304" pitchFamily="18" charset="0"/>
-                  <a:cs typeface="Times New Roman" panose="02020603050405020304" pitchFamily="18" charset="0"/>
-                </a:rPr>
-                <a:t>input</a:t>
-              </a:r>
-              <a:endParaRPr lang="zh-CN" altLang="en-US" sz="1400" dirty="0">
-                <a:latin typeface="Times New Roman" panose="02020603050405020304" pitchFamily="18" charset="0"/>
-                <a:cs typeface="Times New Roman" panose="02020603050405020304" pitchFamily="18" charset="0"/>
-              </a:endParaRPr>
-            </a:p>
-          </p:txBody>
-        </p:sp>
-        <p:sp>
-          <p:nvSpPr>
-            <p:cNvPr id="115" name="文本框 114">
-              <a:extLst>
-                <a:ext uri="{FF2B5EF4-FFF2-40B4-BE49-F238E27FC236}">
-                  <a16:creationId xmlns:a16="http://schemas.microsoft.com/office/drawing/2014/main" id="{C664C818-1930-4993-95EB-B22AA599CB09}"/>
-                </a:ext>
-              </a:extLst>
-            </p:cNvPr>
-            <p:cNvSpPr txBox="1"/>
-            <p:nvPr/>
-          </p:nvSpPr>
-          <p:spPr>
-            <a:xfrm>
-              <a:off x="11097289" y="4775661"/>
-              <a:ext cx="764005" cy="307777"/>
-            </a:xfrm>
-            <a:prstGeom prst="rect">
-              <a:avLst/>
-            </a:prstGeom>
-            <a:noFill/>
-            <a:ln>
-              <a:noFill/>
-            </a:ln>
-          </p:spPr>
-          <p:txBody>
-            <a:bodyPr wrap="square" rtlCol="0">
-              <a:spAutoFit/>
-            </a:bodyPr>
-            <a:lstStyle/>
-            <a:p>
-              <a:r>
-                <a:rPr lang="en-US" altLang="zh-CN" sz="1400" dirty="0">
-                  <a:latin typeface="Times New Roman" panose="02020603050405020304" pitchFamily="18" charset="0"/>
-                  <a:cs typeface="Times New Roman" panose="02020603050405020304" pitchFamily="18" charset="0"/>
-                </a:rPr>
-                <a:t>output</a:t>
-              </a:r>
-              <a:endParaRPr lang="zh-CN" altLang="en-US" sz="1400" dirty="0">
-                <a:latin typeface="Times New Roman" panose="02020603050405020304" pitchFamily="18" charset="0"/>
-                <a:cs typeface="Times New Roman" panose="02020603050405020304" pitchFamily="18" charset="0"/>
-              </a:endParaRPr>
-            </a:p>
-          </p:txBody>
-        </p:sp>
-        <p:cxnSp>
-          <p:nvCxnSpPr>
-            <p:cNvPr id="127" name="直接连接符 126">
-              <a:extLst>
-                <a:ext uri="{FF2B5EF4-FFF2-40B4-BE49-F238E27FC236}">
-                  <a16:creationId xmlns:a16="http://schemas.microsoft.com/office/drawing/2014/main" id="{238FBB67-B954-41C3-98FE-99DF1B3F9E58}"/>
-                </a:ext>
-              </a:extLst>
-            </p:cNvPr>
-            <p:cNvCxnSpPr>
-              <a:cxnSpLocks/>
-            </p:cNvCxnSpPr>
-            <p:nvPr/>
-          </p:nvCxnSpPr>
-          <p:spPr>
-            <a:xfrm>
-              <a:off x="10323285" y="4977493"/>
-              <a:ext cx="486229" cy="0"/>
-            </a:xfrm>
-            <a:prstGeom prst="line">
-              <a:avLst/>
-            </a:prstGeom>
-            <a:ln>
-              <a:solidFill>
-                <a:schemeClr val="tx1"/>
-              </a:solidFill>
-              <a:prstDash val="dash"/>
-            </a:ln>
-          </p:spPr>
-          <p:style>
-            <a:lnRef idx="1">
-              <a:schemeClr val="accent1"/>
-            </a:lnRef>
-            <a:fillRef idx="0">
-              <a:schemeClr val="accent1"/>
-            </a:fillRef>
-            <a:effectRef idx="0">
-              <a:schemeClr val="accent1"/>
-            </a:effectRef>
-            <a:fontRef idx="minor">
-              <a:schemeClr val="tx1"/>
-            </a:fontRef>
-          </p:style>
-        </p:cxnSp>
-        <p:cxnSp>
-          <p:nvCxnSpPr>
-            <p:cNvPr id="130" name="直接连接符 129">
-              <a:extLst>
-                <a:ext uri="{FF2B5EF4-FFF2-40B4-BE49-F238E27FC236}">
-                  <a16:creationId xmlns:a16="http://schemas.microsoft.com/office/drawing/2014/main" id="{E7744F57-0A1F-491C-ABCE-262935F6D0A0}"/>
-                </a:ext>
-              </a:extLst>
-            </p:cNvPr>
-            <p:cNvCxnSpPr>
-              <a:cxnSpLocks/>
-            </p:cNvCxnSpPr>
-            <p:nvPr/>
-          </p:nvCxnSpPr>
-          <p:spPr>
-            <a:xfrm>
-              <a:off x="10323285" y="4466508"/>
-              <a:ext cx="486229" cy="0"/>
-            </a:xfrm>
-            <a:prstGeom prst="line">
-              <a:avLst/>
-            </a:prstGeom>
-            <a:ln>
-              <a:solidFill>
-                <a:schemeClr val="tx1"/>
-              </a:solidFill>
-              <a:prstDash val="dash"/>
-            </a:ln>
-          </p:spPr>
-          <p:style>
-            <a:lnRef idx="1">
-              <a:schemeClr val="accent1"/>
-            </a:lnRef>
-            <a:fillRef idx="0">
-              <a:schemeClr val="accent1"/>
-            </a:fillRef>
-            <a:effectRef idx="0">
-              <a:schemeClr val="accent1"/>
-            </a:effectRef>
-            <a:fontRef idx="minor">
-              <a:schemeClr val="tx1"/>
-            </a:fontRef>
-          </p:style>
-        </p:cxnSp>
-        <p:cxnSp>
-          <p:nvCxnSpPr>
-            <p:cNvPr id="151" name="直接连接符 150">
-              <a:extLst>
-                <a:ext uri="{FF2B5EF4-FFF2-40B4-BE49-F238E27FC236}">
-                  <a16:creationId xmlns:a16="http://schemas.microsoft.com/office/drawing/2014/main" id="{84663F06-6356-4AE6-985E-28742CEF2DE8}"/>
-                </a:ext>
-              </a:extLst>
-            </p:cNvPr>
-            <p:cNvCxnSpPr>
-              <a:endCxn id="114" idx="1"/>
-            </p:cNvCxnSpPr>
-            <p:nvPr/>
-          </p:nvCxnSpPr>
-          <p:spPr>
-            <a:xfrm>
-              <a:off x="10809514" y="3735088"/>
-              <a:ext cx="287776" cy="70730"/>
-            </a:xfrm>
-            <a:prstGeom prst="line">
-              <a:avLst/>
-            </a:prstGeom>
-            <a:ln w="6350">
-              <a:solidFill>
-                <a:schemeClr val="tx1"/>
-              </a:solidFill>
-            </a:ln>
-          </p:spPr>
-          <p:style>
-            <a:lnRef idx="1">
-              <a:schemeClr val="accent1"/>
-            </a:lnRef>
-            <a:fillRef idx="0">
-              <a:schemeClr val="accent1"/>
-            </a:fillRef>
-            <a:effectRef idx="0">
-              <a:schemeClr val="accent1"/>
-            </a:effectRef>
-            <a:fontRef idx="minor">
-              <a:schemeClr val="tx1"/>
-            </a:fontRef>
-          </p:style>
-        </p:cxnSp>
-        <p:cxnSp>
-          <p:nvCxnSpPr>
-            <p:cNvPr id="153" name="直接连接符 152">
-              <a:extLst>
-                <a:ext uri="{FF2B5EF4-FFF2-40B4-BE49-F238E27FC236}">
-                  <a16:creationId xmlns:a16="http://schemas.microsoft.com/office/drawing/2014/main" id="{96A910BE-C97C-4EC5-8C5A-834AEF983E38}"/>
-                </a:ext>
-              </a:extLst>
-            </p:cNvPr>
-            <p:cNvCxnSpPr>
-              <a:endCxn id="114" idx="1"/>
-            </p:cNvCxnSpPr>
-            <p:nvPr/>
-          </p:nvCxnSpPr>
-          <p:spPr>
-            <a:xfrm flipV="1">
-              <a:off x="10809514" y="3805818"/>
-              <a:ext cx="287776" cy="122489"/>
-            </a:xfrm>
-            <a:prstGeom prst="line">
-              <a:avLst/>
-            </a:prstGeom>
-            <a:ln w="6350">
-              <a:solidFill>
-                <a:schemeClr val="tx1"/>
-              </a:solidFill>
-            </a:ln>
-          </p:spPr>
-          <p:style>
-            <a:lnRef idx="1">
-              <a:schemeClr val="accent1"/>
-            </a:lnRef>
-            <a:fillRef idx="0">
-              <a:schemeClr val="accent1"/>
-            </a:fillRef>
-            <a:effectRef idx="0">
-              <a:schemeClr val="accent1"/>
-            </a:effectRef>
-            <a:fontRef idx="minor">
-              <a:schemeClr val="tx1"/>
-            </a:fontRef>
-          </p:style>
-        </p:cxnSp>
-        <p:cxnSp>
-          <p:nvCxnSpPr>
-            <p:cNvPr id="155" name="直接连接符 154">
-              <a:extLst>
-                <a:ext uri="{FF2B5EF4-FFF2-40B4-BE49-F238E27FC236}">
-                  <a16:creationId xmlns:a16="http://schemas.microsoft.com/office/drawing/2014/main" id="{85E8C9E5-2E7D-4AFB-95F6-8948747EC748}"/>
-                </a:ext>
-              </a:extLst>
-            </p:cNvPr>
-            <p:cNvCxnSpPr>
-              <a:endCxn id="114" idx="1"/>
-            </p:cNvCxnSpPr>
-            <p:nvPr/>
-          </p:nvCxnSpPr>
-          <p:spPr>
-            <a:xfrm flipV="1">
-              <a:off x="10809514" y="3805818"/>
-              <a:ext cx="287776" cy="284769"/>
-            </a:xfrm>
-            <a:prstGeom prst="line">
-              <a:avLst/>
-            </a:prstGeom>
-            <a:ln w="6350">
-              <a:solidFill>
-                <a:schemeClr val="tx1"/>
-              </a:solidFill>
-            </a:ln>
-          </p:spPr>
-          <p:style>
-            <a:lnRef idx="1">
-              <a:schemeClr val="accent1"/>
-            </a:lnRef>
-            <a:fillRef idx="0">
-              <a:schemeClr val="accent1"/>
-            </a:fillRef>
-            <a:effectRef idx="0">
-              <a:schemeClr val="accent1"/>
-            </a:effectRef>
-            <a:fontRef idx="minor">
-              <a:schemeClr val="tx1"/>
-            </a:fontRef>
-          </p:style>
-        </p:cxnSp>
-        <p:cxnSp>
-          <p:nvCxnSpPr>
-            <p:cNvPr id="157" name="直接连接符 156">
-              <a:extLst>
-                <a:ext uri="{FF2B5EF4-FFF2-40B4-BE49-F238E27FC236}">
-                  <a16:creationId xmlns:a16="http://schemas.microsoft.com/office/drawing/2014/main" id="{F6BDE582-2297-40D3-9D7B-6B1926E1AB49}"/>
-                </a:ext>
-              </a:extLst>
-            </p:cNvPr>
-            <p:cNvCxnSpPr>
-              <a:cxnSpLocks/>
-              <a:endCxn id="114" idx="1"/>
-            </p:cNvCxnSpPr>
-            <p:nvPr/>
-          </p:nvCxnSpPr>
-          <p:spPr>
-            <a:xfrm flipV="1">
-              <a:off x="10809514" y="3805818"/>
-              <a:ext cx="287776" cy="486642"/>
-            </a:xfrm>
-            <a:prstGeom prst="line">
-              <a:avLst/>
-            </a:prstGeom>
-            <a:ln w="6350">
-              <a:solidFill>
-                <a:schemeClr val="tx1"/>
-              </a:solidFill>
-            </a:ln>
-          </p:spPr>
-          <p:style>
-            <a:lnRef idx="1">
-              <a:schemeClr val="accent1"/>
-            </a:lnRef>
-            <a:fillRef idx="0">
-              <a:schemeClr val="accent1"/>
-            </a:fillRef>
-            <a:effectRef idx="0">
-              <a:schemeClr val="accent1"/>
-            </a:effectRef>
-            <a:fontRef idx="minor">
-              <a:schemeClr val="tx1"/>
-            </a:fontRef>
-          </p:style>
-        </p:cxnSp>
-        <p:cxnSp>
-          <p:nvCxnSpPr>
-            <p:cNvPr id="161" name="直接连接符 160">
-              <a:extLst>
-                <a:ext uri="{FF2B5EF4-FFF2-40B4-BE49-F238E27FC236}">
-                  <a16:creationId xmlns:a16="http://schemas.microsoft.com/office/drawing/2014/main" id="{3CE967EC-1BEE-4654-B047-BA12FEE86F15}"/>
-                </a:ext>
-              </a:extLst>
-            </p:cNvPr>
-            <p:cNvCxnSpPr>
-              <a:endCxn id="114" idx="1"/>
-            </p:cNvCxnSpPr>
-            <p:nvPr/>
-          </p:nvCxnSpPr>
-          <p:spPr>
-            <a:xfrm flipV="1">
-              <a:off x="10809514" y="3818164"/>
-              <a:ext cx="287775" cy="815522"/>
-            </a:xfrm>
-            <a:prstGeom prst="line">
-              <a:avLst/>
-            </a:prstGeom>
-            <a:ln w="6350">
-              <a:solidFill>
-                <a:schemeClr val="tx1"/>
-              </a:solidFill>
-            </a:ln>
-          </p:spPr>
-          <p:style>
-            <a:lnRef idx="1">
-              <a:schemeClr val="accent1"/>
-            </a:lnRef>
-            <a:fillRef idx="0">
-              <a:schemeClr val="accent1"/>
-            </a:fillRef>
-            <a:effectRef idx="0">
-              <a:schemeClr val="accent1"/>
-            </a:effectRef>
-            <a:fontRef idx="minor">
-              <a:schemeClr val="tx1"/>
-            </a:fontRef>
-          </p:style>
-        </p:cxnSp>
-        <p:cxnSp>
-          <p:nvCxnSpPr>
-            <p:cNvPr id="163" name="直接连接符 162">
-              <a:extLst>
-                <a:ext uri="{FF2B5EF4-FFF2-40B4-BE49-F238E27FC236}">
-                  <a16:creationId xmlns:a16="http://schemas.microsoft.com/office/drawing/2014/main" id="{68C6B6EA-2A1B-4E14-93B8-3B6E93EFA16C}"/>
-                </a:ext>
-              </a:extLst>
-            </p:cNvPr>
-            <p:cNvCxnSpPr>
-              <a:endCxn id="114" idx="1"/>
-            </p:cNvCxnSpPr>
-            <p:nvPr/>
-          </p:nvCxnSpPr>
-          <p:spPr>
-            <a:xfrm flipV="1">
-              <a:off x="10809514" y="3805818"/>
-              <a:ext cx="287776" cy="998411"/>
-            </a:xfrm>
-            <a:prstGeom prst="line">
-              <a:avLst/>
-            </a:prstGeom>
-            <a:ln w="6350">
-              <a:solidFill>
-                <a:schemeClr val="tx1"/>
-              </a:solidFill>
-            </a:ln>
-          </p:spPr>
-          <p:style>
-            <a:lnRef idx="1">
-              <a:schemeClr val="accent1"/>
-            </a:lnRef>
-            <a:fillRef idx="0">
-              <a:schemeClr val="accent1"/>
-            </a:fillRef>
-            <a:effectRef idx="0">
-              <a:schemeClr val="accent1"/>
-            </a:effectRef>
-            <a:fontRef idx="minor">
-              <a:schemeClr val="tx1"/>
-            </a:fontRef>
-          </p:style>
-        </p:cxnSp>
-        <p:cxnSp>
-          <p:nvCxnSpPr>
-            <p:cNvPr id="165" name="直接连接符 164">
-              <a:extLst>
-                <a:ext uri="{FF2B5EF4-FFF2-40B4-BE49-F238E27FC236}">
-                  <a16:creationId xmlns:a16="http://schemas.microsoft.com/office/drawing/2014/main" id="{E5BE9840-5553-42AF-9079-7D7000EA0E2B}"/>
-                </a:ext>
-              </a:extLst>
-            </p:cNvPr>
-            <p:cNvCxnSpPr>
-              <a:endCxn id="115" idx="1"/>
-            </p:cNvCxnSpPr>
-            <p:nvPr/>
-          </p:nvCxnSpPr>
-          <p:spPr>
-            <a:xfrm>
-              <a:off x="10809514" y="4465723"/>
-              <a:ext cx="287775" cy="463827"/>
-            </a:xfrm>
-            <a:prstGeom prst="line">
-              <a:avLst/>
-            </a:prstGeom>
-            <a:ln>
-              <a:solidFill>
-                <a:schemeClr val="tx1"/>
-              </a:solidFill>
-              <a:prstDash val="dash"/>
-            </a:ln>
-          </p:spPr>
-          <p:style>
-            <a:lnRef idx="1">
-              <a:schemeClr val="accent1"/>
-            </a:lnRef>
-            <a:fillRef idx="0">
-              <a:schemeClr val="accent1"/>
-            </a:fillRef>
-            <a:effectRef idx="0">
-              <a:schemeClr val="accent1"/>
-            </a:effectRef>
-            <a:fontRef idx="minor">
-              <a:schemeClr val="tx1"/>
-            </a:fontRef>
-          </p:style>
-        </p:cxnSp>
-        <p:cxnSp>
-          <p:nvCxnSpPr>
-            <p:cNvPr id="167" name="直接连接符 166">
-              <a:extLst>
-                <a:ext uri="{FF2B5EF4-FFF2-40B4-BE49-F238E27FC236}">
-                  <a16:creationId xmlns:a16="http://schemas.microsoft.com/office/drawing/2014/main" id="{2119D1D9-F910-4A01-80E6-DF3AB3AC0B90}"/>
-                </a:ext>
-              </a:extLst>
-            </p:cNvPr>
-            <p:cNvCxnSpPr>
-              <a:endCxn id="115" idx="1"/>
-            </p:cNvCxnSpPr>
-            <p:nvPr/>
-          </p:nvCxnSpPr>
-          <p:spPr>
-            <a:xfrm flipV="1">
-              <a:off x="10809514" y="4929550"/>
-              <a:ext cx="287775" cy="47942"/>
-            </a:xfrm>
-            <a:prstGeom prst="line">
-              <a:avLst/>
-            </a:prstGeom>
-            <a:ln>
-              <a:solidFill>
-                <a:schemeClr val="tx1"/>
-              </a:solidFill>
-              <a:prstDash val="dash"/>
-            </a:ln>
-          </p:spPr>
-          <p:style>
-            <a:lnRef idx="1">
-              <a:schemeClr val="accent1"/>
-            </a:lnRef>
-            <a:fillRef idx="0">
-              <a:schemeClr val="accent1"/>
-            </a:fillRef>
-            <a:effectRef idx="0">
-              <a:schemeClr val="accent1"/>
-            </a:effectRef>
-            <a:fontRef idx="minor">
-              <a:schemeClr val="tx1"/>
-            </a:fontRef>
-          </p:style>
-        </p:cxnSp>
       </p:grpSp>
     </p:spTree>
     <p:extLst>
